--- a/powerpoint/Session2.pptx
+++ b/powerpoint/Session2.pptx
@@ -140,14 +140,6 @@
     </p:ext>
   </p:extLst>
 </p:presentation>
-</file>
-
-<file path=ppt/revisionInfo.xml><?xml version="1.0" encoding="utf-8"?>
-<p1510:revInfo xmlns:a="http://schemas.openxmlformats.org/drawingml/2006/main" xmlns:r="http://schemas.openxmlformats.org/officeDocument/2006/relationships" xmlns:p1510="http://schemas.microsoft.com/office/powerpoint/2015/10/main">
-  <p1510:revLst>
-    <p1510:client id="{4C45BD14-0AEB-784A-8058-BFAF9E8F22F7}" v="1" dt="2024-02-04T21:26:40.197"/>
-  </p1510:revLst>
-</p1510:revInfo>
 </file>
 
 <file path=ppt/changesInfos/changesInfo1.xml><?xml version="1.0" encoding="utf-8"?>
@@ -963,6 +955,45 @@
       </pc:sldChg>
     </pc:docChg>
   </pc:docChgLst>
+  <pc:docChgLst>
+    <pc:chgData name="Srinivasa Rao" userId="a6b54366-f13d-4292-8bb4-f06c50909b1e" providerId="ADAL" clId="{378B93FA-5923-EB42-BD2A-6ECA56CFD573}"/>
+    <pc:docChg chg="modSld">
+      <pc:chgData name="Srinivasa Rao" userId="a6b54366-f13d-4292-8bb4-f06c50909b1e" providerId="ADAL" clId="{378B93FA-5923-EB42-BD2A-6ECA56CFD573}" dt="2024-06-10T21:53:06.567" v="13" actId="20577"/>
+      <pc:docMkLst>
+        <pc:docMk/>
+      </pc:docMkLst>
+      <pc:sldChg chg="modSp mod">
+        <pc:chgData name="Srinivasa Rao" userId="a6b54366-f13d-4292-8bb4-f06c50909b1e" providerId="ADAL" clId="{378B93FA-5923-EB42-BD2A-6ECA56CFD573}" dt="2024-06-10T21:53:06.567" v="13" actId="20577"/>
+        <pc:sldMkLst>
+          <pc:docMk/>
+          <pc:sldMk cId="0" sldId="256"/>
+        </pc:sldMkLst>
+        <pc:spChg chg="mod">
+          <ac:chgData name="Srinivasa Rao" userId="a6b54366-f13d-4292-8bb4-f06c50909b1e" providerId="ADAL" clId="{378B93FA-5923-EB42-BD2A-6ECA56CFD573}" dt="2024-06-10T21:53:06.567" v="13" actId="20577"/>
+          <ac:spMkLst>
+            <pc:docMk/>
+            <pc:sldMk cId="0" sldId="256"/>
+            <ac:spMk id="229" creationId="{00000000-0000-0000-0000-000000000000}"/>
+          </ac:spMkLst>
+        </pc:spChg>
+      </pc:sldChg>
+      <pc:sldChg chg="modSp mod">
+        <pc:chgData name="Srinivasa Rao" userId="a6b54366-f13d-4292-8bb4-f06c50909b1e" providerId="ADAL" clId="{378B93FA-5923-EB42-BD2A-6ECA56CFD573}" dt="2024-06-10T21:53:00.783" v="6" actId="20577"/>
+        <pc:sldMkLst>
+          <pc:docMk/>
+          <pc:sldMk cId="0" sldId="276"/>
+        </pc:sldMkLst>
+        <pc:spChg chg="mod">
+          <ac:chgData name="Srinivasa Rao" userId="a6b54366-f13d-4292-8bb4-f06c50909b1e" providerId="ADAL" clId="{378B93FA-5923-EB42-BD2A-6ECA56CFD573}" dt="2024-06-10T21:53:00.783" v="6" actId="20577"/>
+          <ac:spMkLst>
+            <pc:docMk/>
+            <pc:sldMk cId="0" sldId="276"/>
+            <ac:spMk id="229" creationId="{00000000-0000-0000-0000-000000000000}"/>
+          </ac:spMkLst>
+        </pc:spChg>
+      </pc:sldChg>
+    </pc:docChg>
+  </pc:docChgLst>
 </pc:chgInfo>
 </file>
 
@@ -1048,7 +1079,7 @@
           <a:p>
             <a:fld id="{76288271-110E-284E-BDF5-E46245F1FF69}" type="datetimeFigureOut">
               <a:rPr lang="en-US" smtClean="0"/>
-              <a:t>2/4/24</a:t>
+              <a:t>6/10/24</a:t>
             </a:fld>
             <a:endParaRPr lang="en-US"/>
           </a:p>
@@ -5389,7 +5420,7 @@
           <a:p>
             <a:fld id="{AF87509E-A8CC-7D4A-9558-F93678A4FBA3}" type="datetimeFigureOut">
               <a:rPr lang="en-US" smtClean="0"/>
-              <a:t>2/4/24</a:t>
+              <a:t>6/10/24</a:t>
             </a:fld>
             <a:endParaRPr lang="en-US"/>
           </a:p>
@@ -13729,7 +13760,7 @@
                 <a:latin typeface="Calibri"/>
                 <a:ea typeface="DejaVu Sans"/>
               </a:rPr>
-              <a:t>Hilary 2024</a:t>
+              <a:t>Trinity 2024</a:t>
             </a:r>
             <a:endParaRPr lang="en-GB" sz="3200" b="0" strike="noStrike" spc="-1" dirty="0">
               <a:latin typeface="Arial"/>
@@ -19728,7 +19759,17 @@
                 <a:latin typeface="Calibri"/>
                 <a:ea typeface="DejaVu Sans"/>
               </a:rPr>
-              <a:t>Hilary 2024</a:t>
+              <a:t>Trinity </a:t>
+            </a:r>
+            <a:r>
+              <a:rPr lang="en-US" sz="3200" b="0" strike="noStrike" spc="-1" dirty="0">
+                <a:solidFill>
+                  <a:srgbClr val="8B8B8B"/>
+                </a:solidFill>
+                <a:latin typeface="Calibri"/>
+                <a:ea typeface="DejaVu Sans"/>
+              </a:rPr>
+              <a:t>2024</a:t>
             </a:r>
             <a:endParaRPr lang="en-GB" sz="3200" b="0" strike="noStrike" spc="-1" dirty="0">
               <a:latin typeface="Arial"/>
